--- a/High School/Modern Electricity and Electronics/Unit 2 - Electrical Circuits, Devices, Soldering/Section 3 - Introduction to Soldering/Assets/Unit 2 - Section 3 - Introduction to soldering.pptx
+++ b/High School/Modern Electricity and Electronics/Unit 2 - Electrical Circuits, Devices, Soldering/Section 3 - Introduction to Soldering/Assets/Unit 2 - Section 3 - Introduction to soldering.pptx
@@ -5,17 +5,18 @@
     <p:sldMasterId id="2147483705" r:id="rId1"/>
   </p:sldMasterIdLst>
   <p:notesMasterIdLst>
-    <p:notesMasterId r:id="rId7"/>
+    <p:notesMasterId r:id="rId8"/>
   </p:notesMasterIdLst>
   <p:handoutMasterIdLst>
-    <p:handoutMasterId r:id="rId8"/>
+    <p:handoutMasterId r:id="rId9"/>
   </p:handoutMasterIdLst>
   <p:sldIdLst>
     <p:sldId id="272" r:id="rId2"/>
     <p:sldId id="268" r:id="rId3"/>
     <p:sldId id="277" r:id="rId4"/>
     <p:sldId id="271" r:id="rId5"/>
-    <p:sldId id="278" r:id="rId6"/>
+    <p:sldId id="279" r:id="rId6"/>
+    <p:sldId id="278" r:id="rId7"/>
   </p:sldIdLst>
   <p:sldSz cx="12192000" cy="6858000"/>
   <p:notesSz cx="6858000" cy="9144000"/>
@@ -218,7 +219,7 @@
           <a:p>
             <a:fld id="{6AC4FB8F-ED15-48AB-97BD-17129D4E699D}" type="datetimeFigureOut">
               <a:rPr lang="en-US" smtClean="0"/>
-              <a:t>10/1/2018</a:t>
+              <a:t>10/4/2018</a:t>
             </a:fld>
             <a:endParaRPr lang="en-US" dirty="0"/>
           </a:p>
@@ -383,7 +384,7 @@
           <a:p>
             <a:fld id="{BBC9D437-CD83-4825-AD0D-5E7B341BC79B}" type="datetimeFigureOut">
               <a:rPr lang="en-US" smtClean="0"/>
-              <a:t>10/1/2018</a:t>
+              <a:t>10/4/2018</a:t>
             </a:fld>
             <a:endParaRPr lang="en-US" dirty="0"/>
           </a:p>
@@ -876,7 +877,7 @@
           <a:p>
             <a:fld id="{85AB7CBB-843F-464A-A764-71D6ADC27CFA}" type="datetime1">
               <a:rPr lang="en-US" smtClean="0"/>
-              <a:t>10/1/2018</a:t>
+              <a:t>10/4/2018</a:t>
             </a:fld>
             <a:endParaRPr lang="en-US" dirty="0"/>
           </a:p>
@@ -1101,7 +1102,7 @@
           <a:p>
             <a:fld id="{CBEFC03D-3A1F-4813-9337-02411FCC3A9A}" type="datetime1">
               <a:rPr lang="en-US" smtClean="0"/>
-              <a:t>10/1/2018</a:t>
+              <a:t>10/4/2018</a:t>
             </a:fld>
             <a:endParaRPr lang="en-US" dirty="0"/>
           </a:p>
@@ -1373,7 +1374,7 @@
           <a:p>
             <a:fld id="{3D638F79-DFA0-4C26-9553-23A017B69AB6}" type="datetime1">
               <a:rPr lang="en-US" smtClean="0"/>
-              <a:t>10/1/2018</a:t>
+              <a:t>10/4/2018</a:t>
             </a:fld>
             <a:endParaRPr lang="en-US" dirty="0"/>
           </a:p>
@@ -1484,7 +1485,7 @@
           <a:p>
             <a:fld id="{AA615CA6-EC4D-4728-8AA6-534BE7E9B67C}" type="datetime1">
               <a:rPr lang="en-US" smtClean="0"/>
-              <a:t>10/1/2018</a:t>
+              <a:t>10/4/2018</a:t>
             </a:fld>
             <a:endParaRPr lang="en-US" dirty="0"/>
           </a:p>
@@ -1669,7 +1670,7 @@
           <a:p>
             <a:fld id="{A70B34E7-E1D9-4FBF-A1A0-4009669A00BF}" type="datetime1">
               <a:rPr lang="en-US" smtClean="0"/>
-              <a:t>10/1/2018</a:t>
+              <a:t>10/4/2018</a:t>
             </a:fld>
             <a:endParaRPr lang="en-US" dirty="0"/>
           </a:p>
@@ -2029,7 +2030,7 @@
           <a:p>
             <a:fld id="{20EBB0C4-6273-4C6E-B9BD-2EDC30F1CD52}" type="datetimeFigureOut">
               <a:rPr lang="en-US" smtClean="0"/>
-              <a:t>10/1/2018</a:t>
+              <a:t>10/4/2018</a:t>
             </a:fld>
             <a:endParaRPr lang="en-US" dirty="0"/>
           </a:p>
@@ -2316,7 +2317,7 @@
           <a:p>
             <a:fld id="{7579E8B6-2F47-420B-83EA-EB2285D13EC9}" type="datetime1">
               <a:rPr lang="en-US" smtClean="0"/>
-              <a:t>10/1/2018</a:t>
+              <a:t>10/4/2018</a:t>
             </a:fld>
             <a:endParaRPr lang="en-US" dirty="0"/>
           </a:p>
@@ -2711,7 +2712,7 @@
           <a:p>
             <a:fld id="{2304803D-B10E-4B90-8456-A0E05393E233}" type="datetime1">
               <a:rPr lang="en-US" smtClean="0"/>
-              <a:t>10/1/2018</a:t>
+              <a:t>10/4/2018</a:t>
             </a:fld>
             <a:endParaRPr lang="en-US" dirty="0"/>
           </a:p>
@@ -2845,7 +2846,7 @@
           <a:p>
             <a:fld id="{CCE1E62F-6CCE-4064-96C2-2084AF883904}" type="datetime1">
               <a:rPr lang="en-US" smtClean="0"/>
-              <a:t>10/1/2018</a:t>
+              <a:t>10/4/2018</a:t>
             </a:fld>
             <a:endParaRPr lang="en-US" dirty="0"/>
           </a:p>
@@ -3032,7 +3033,7 @@
           <a:p>
             <a:fld id="{AA615CA6-EC4D-4728-8AA6-534BE7E9B67C}" type="datetime1">
               <a:rPr lang="en-US" smtClean="0"/>
-              <a:t>10/1/2018</a:t>
+              <a:t>10/4/2018</a:t>
             </a:fld>
             <a:endParaRPr lang="en-US" dirty="0"/>
           </a:p>
@@ -3402,7 +3403,7 @@
           <a:p>
             <a:fld id="{A6139942-0A2E-443A-842F-D6DE74360370}" type="datetime1">
               <a:rPr lang="en-US" smtClean="0"/>
-              <a:t>10/1/2018</a:t>
+              <a:t>10/4/2018</a:t>
             </a:fld>
             <a:endParaRPr lang="en-US" dirty="0"/>
           </a:p>
@@ -3795,7 +3796,7 @@
           <a:p>
             <a:fld id="{C9CAD897-D46E-4AD2-BD9B-49DD3E640873}" type="datetimeFigureOut">
               <a:rPr lang="en-US" smtClean="0"/>
-              <a:t>10/1/2018</a:t>
+              <a:t>10/4/2018</a:t>
             </a:fld>
             <a:endParaRPr lang="en-US" dirty="0"/>
           </a:p>
@@ -4146,7 +4147,7 @@
           <a:p>
             <a:fld id="{3F138946-C5C1-4A11-BA69-F12F43F8A94B}" type="datetime1">
               <a:rPr lang="en-US" smtClean="0"/>
-              <a:t>10/1/2018</a:t>
+              <a:t>10/4/2018</a:t>
             </a:fld>
             <a:endParaRPr lang="en-US" dirty="0"/>
           </a:p>
@@ -5176,6 +5177,18 @@
               <a:buFont typeface="Wingdings" panose="05000000000000000000" pitchFamily="2" charset="2"/>
               <a:buChar char="§"/>
             </a:pPr>
+            <a:r>
+              <a:rPr lang="en-US" dirty="0">
+                <a:cs typeface="Arial" pitchFamily="34" charset="0"/>
+              </a:rPr>
+              <a:t>Soldering practice and building confidence</a:t>
+            </a:r>
+          </a:p>
+          <a:p>
+            <a:pPr>
+              <a:buFont typeface="Wingdings" panose="05000000000000000000" pitchFamily="2" charset="2"/>
+              <a:buChar char="§"/>
+            </a:pPr>
             <a:endParaRPr lang="en-US" dirty="0">
               <a:cs typeface="Arial" pitchFamily="34" charset="0"/>
             </a:endParaRPr>
@@ -5257,6 +5270,130 @@
           <p:cNvPr id="2" name="Title 1">
             <a:extLst>
               <a:ext uri="{FF2B5EF4-FFF2-40B4-BE49-F238E27FC236}">
+                <a16:creationId xmlns:a16="http://schemas.microsoft.com/office/drawing/2014/main" id="{969A64C5-2964-4C8B-9D90-5E8500C1C874}"/>
+              </a:ext>
+            </a:extLst>
+          </p:cNvPr>
+          <p:cNvSpPr>
+            <a:spLocks noGrp="1"/>
+          </p:cNvSpPr>
+          <p:nvPr>
+            <p:ph type="title"/>
+          </p:nvPr>
+        </p:nvSpPr>
+        <p:spPr/>
+        <p:txBody>
+          <a:bodyPr/>
+          <a:lstStyle/>
+          <a:p>
+            <a:r>
+              <a:rPr lang="en-US" dirty="0"/>
+              <a:t>Lesson Plan 4</a:t>
+            </a:r>
+          </a:p>
+        </p:txBody>
+      </p:sp>
+      <p:sp>
+        <p:nvSpPr>
+          <p:cNvPr id="3" name="Content Placeholder 2">
+            <a:extLst>
+              <a:ext uri="{FF2B5EF4-FFF2-40B4-BE49-F238E27FC236}">
+                <a16:creationId xmlns:a16="http://schemas.microsoft.com/office/drawing/2014/main" id="{0A763FAF-5AD0-45C0-8F43-5811BF2A759A}"/>
+              </a:ext>
+            </a:extLst>
+          </p:cNvPr>
+          <p:cNvSpPr>
+            <a:spLocks noGrp="1"/>
+          </p:cNvSpPr>
+          <p:nvPr>
+            <p:ph idx="1"/>
+          </p:nvPr>
+        </p:nvSpPr>
+        <p:spPr/>
+        <p:txBody>
+          <a:bodyPr/>
+          <a:lstStyle/>
+          <a:p>
+            <a:endParaRPr lang="en-US"/>
+          </a:p>
+        </p:txBody>
+      </p:sp>
+      <p:sp>
+        <p:nvSpPr>
+          <p:cNvPr id="4" name="Footer Placeholder 3">
+            <a:extLst>
+              <a:ext uri="{FF2B5EF4-FFF2-40B4-BE49-F238E27FC236}">
+                <a16:creationId xmlns:a16="http://schemas.microsoft.com/office/drawing/2014/main" id="{260DB06B-385D-4A56-A1AF-75B30F5D9BE5}"/>
+              </a:ext>
+            </a:extLst>
+          </p:cNvPr>
+          <p:cNvSpPr>
+            <a:spLocks noGrp="1"/>
+          </p:cNvSpPr>
+          <p:nvPr>
+            <p:ph type="ftr" sz="quarter" idx="11"/>
+          </p:nvPr>
+        </p:nvSpPr>
+        <p:spPr/>
+        <p:txBody>
+          <a:bodyPr/>
+          <a:lstStyle/>
+          <a:p>
+            <a:r>
+              <a:rPr lang="en-US"/>
+              <a:t>Add a footer</a:t>
+            </a:r>
+            <a:endParaRPr lang="en-US" dirty="0"/>
+          </a:p>
+        </p:txBody>
+      </p:sp>
+    </p:spTree>
+    <p:extLst>
+      <p:ext uri="{BB962C8B-B14F-4D97-AF65-F5344CB8AC3E}">
+        <p14:creationId xmlns:p14="http://schemas.microsoft.com/office/powerpoint/2010/main" val="3506837411"/>
+      </p:ext>
+    </p:extLst>
+  </p:cSld>
+  <p:clrMapOvr>
+    <a:masterClrMapping/>
+  </p:clrMapOvr>
+  <mc:AlternateContent xmlns:mc="http://schemas.openxmlformats.org/markup-compatibility/2006" xmlns:p14="http://schemas.microsoft.com/office/powerpoint/2010/main">
+    <mc:Choice Requires="p14">
+      <p:transition spd="med" p14:dur="700">
+        <p:fade/>
+      </p:transition>
+    </mc:Choice>
+    <mc:Fallback xmlns="">
+      <p:transition spd="med">
+        <p:fade/>
+      </p:transition>
+    </mc:Fallback>
+  </mc:AlternateContent>
+</p:sld>
+</file>
+
+<file path=ppt/slides/slide6.xml><?xml version="1.0" encoding="utf-8"?>
+<p:sld xmlns:a="http://schemas.openxmlformats.org/drawingml/2006/main" xmlns:r="http://schemas.openxmlformats.org/officeDocument/2006/relationships" xmlns:p="http://schemas.openxmlformats.org/presentationml/2006/main">
+  <p:cSld>
+    <p:spTree>
+      <p:nvGrpSpPr>
+        <p:cNvPr id="1" name=""/>
+        <p:cNvGrpSpPr/>
+        <p:nvPr/>
+      </p:nvGrpSpPr>
+      <p:grpSpPr>
+        <a:xfrm>
+          <a:off x="0" y="0"/>
+          <a:ext cx="0" cy="0"/>
+          <a:chOff x="0" y="0"/>
+          <a:chExt cx="0" cy="0"/>
+        </a:xfrm>
+      </p:grpSpPr>
+      <p:sp>
+        <p:nvSpPr>
+          <p:cNvPr id="2" name="Title 1">
+            <a:extLst>
+              <a:ext uri="{FF2B5EF4-FFF2-40B4-BE49-F238E27FC236}">
                 <a16:creationId xmlns:a16="http://schemas.microsoft.com/office/drawing/2014/main" id="{59795AF3-CD49-496F-AD5D-1C77837C3F46}"/>
               </a:ext>
             </a:extLst>
@@ -5275,7 +5412,7 @@
           <a:p>
             <a:r>
               <a:rPr lang="en-US" dirty="0"/>
-              <a:t>Review soldering practice</a:t>
+              <a:t>Soldering Practice</a:t>
             </a:r>
           </a:p>
         </p:txBody>
@@ -5301,7 +5438,44 @@
           <a:bodyPr/>
           <a:lstStyle/>
           <a:p>
-            <a:endParaRPr lang="en-US"/>
+            <a:pPr>
+              <a:buFont typeface="Wingdings" panose="05000000000000000000" pitchFamily="2" charset="2"/>
+              <a:buChar char="§"/>
+            </a:pPr>
+            <a:r>
+              <a:rPr lang="en-US" dirty="0"/>
+              <a:t> Utilize practice areas of circuit board</a:t>
+            </a:r>
+          </a:p>
+          <a:p>
+            <a:pPr>
+              <a:buFont typeface="Wingdings" panose="05000000000000000000" pitchFamily="2" charset="2"/>
+              <a:buChar char="§"/>
+            </a:pPr>
+            <a:r>
+              <a:rPr lang="en-US" dirty="0"/>
+              <a:t> Apply blank soldering beads</a:t>
+            </a:r>
+          </a:p>
+          <a:p>
+            <a:pPr>
+              <a:buFont typeface="Wingdings" panose="05000000000000000000" pitchFamily="2" charset="2"/>
+              <a:buChar char="§"/>
+            </a:pPr>
+            <a:r>
+              <a:rPr lang="en-US" dirty="0"/>
+              <a:t> Practice circuit tack soldering, be sure to follow specs</a:t>
+            </a:r>
+          </a:p>
+          <a:p>
+            <a:pPr>
+              <a:buFont typeface="Wingdings" panose="05000000000000000000" pitchFamily="2" charset="2"/>
+              <a:buChar char="§"/>
+            </a:pPr>
+            <a:r>
+              <a:rPr lang="en-US" dirty="0"/>
+              <a:t> Finish practice elements to start putting together your circuits</a:t>
+            </a:r>
           </a:p>
         </p:txBody>
       </p:sp>

--- a/High School/Modern Electricity and Electronics/Unit 2 - Electrical Circuits, Devices, Soldering/Section 3 - Introduction to Soldering/Assets/Unit 2 - Section 3 - Introduction to soldering.pptx
+++ b/High School/Modern Electricity and Electronics/Unit 2 - Electrical Circuits, Devices, Soldering/Section 3 - Introduction to Soldering/Assets/Unit 2 - Section 3 - Introduction to soldering.pptx
@@ -5,10 +5,10 @@
     <p:sldMasterId id="2147483705" r:id="rId1"/>
   </p:sldMasterIdLst>
   <p:notesMasterIdLst>
-    <p:notesMasterId r:id="rId8"/>
+    <p:notesMasterId r:id="rId10"/>
   </p:notesMasterIdLst>
   <p:handoutMasterIdLst>
-    <p:handoutMasterId r:id="rId9"/>
+    <p:handoutMasterId r:id="rId11"/>
   </p:handoutMasterIdLst>
   <p:sldIdLst>
     <p:sldId id="272" r:id="rId2"/>
@@ -17,6 +17,8 @@
     <p:sldId id="271" r:id="rId5"/>
     <p:sldId id="279" r:id="rId6"/>
     <p:sldId id="278" r:id="rId7"/>
+    <p:sldId id="282" r:id="rId8"/>
+    <p:sldId id="281" r:id="rId9"/>
   </p:sldIdLst>
   <p:sldSz cx="12192000" cy="6858000"/>
   <p:notesSz cx="6858000" cy="9144000"/>
@@ -219,7 +221,7 @@
           <a:p>
             <a:fld id="{6AC4FB8F-ED15-48AB-97BD-17129D4E699D}" type="datetimeFigureOut">
               <a:rPr lang="en-US" smtClean="0"/>
-              <a:t>10/4/2018</a:t>
+              <a:t>10/12/2018</a:t>
             </a:fld>
             <a:endParaRPr lang="en-US" dirty="0"/>
           </a:p>
@@ -384,7 +386,7 @@
           <a:p>
             <a:fld id="{BBC9D437-CD83-4825-AD0D-5E7B341BC79B}" type="datetimeFigureOut">
               <a:rPr lang="en-US" smtClean="0"/>
-              <a:t>10/4/2018</a:t>
+              <a:t>10/12/2018</a:t>
             </a:fld>
             <a:endParaRPr lang="en-US" dirty="0"/>
           </a:p>
@@ -877,7 +879,7 @@
           <a:p>
             <a:fld id="{85AB7CBB-843F-464A-A764-71D6ADC27CFA}" type="datetime1">
               <a:rPr lang="en-US" smtClean="0"/>
-              <a:t>10/4/2018</a:t>
+              <a:t>10/12/2018</a:t>
             </a:fld>
             <a:endParaRPr lang="en-US" dirty="0"/>
           </a:p>
@@ -1102,7 +1104,7 @@
           <a:p>
             <a:fld id="{CBEFC03D-3A1F-4813-9337-02411FCC3A9A}" type="datetime1">
               <a:rPr lang="en-US" smtClean="0"/>
-              <a:t>10/4/2018</a:t>
+              <a:t>10/12/2018</a:t>
             </a:fld>
             <a:endParaRPr lang="en-US" dirty="0"/>
           </a:p>
@@ -1374,7 +1376,7 @@
           <a:p>
             <a:fld id="{3D638F79-DFA0-4C26-9553-23A017B69AB6}" type="datetime1">
               <a:rPr lang="en-US" smtClean="0"/>
-              <a:t>10/4/2018</a:t>
+              <a:t>10/12/2018</a:t>
             </a:fld>
             <a:endParaRPr lang="en-US" dirty="0"/>
           </a:p>
@@ -1485,7 +1487,7 @@
           <a:p>
             <a:fld id="{AA615CA6-EC4D-4728-8AA6-534BE7E9B67C}" type="datetime1">
               <a:rPr lang="en-US" smtClean="0"/>
-              <a:t>10/4/2018</a:t>
+              <a:t>10/12/2018</a:t>
             </a:fld>
             <a:endParaRPr lang="en-US" dirty="0"/>
           </a:p>
@@ -1670,7 +1672,7 @@
           <a:p>
             <a:fld id="{A70B34E7-E1D9-4FBF-A1A0-4009669A00BF}" type="datetime1">
               <a:rPr lang="en-US" smtClean="0"/>
-              <a:t>10/4/2018</a:t>
+              <a:t>10/12/2018</a:t>
             </a:fld>
             <a:endParaRPr lang="en-US" dirty="0"/>
           </a:p>
@@ -2030,7 +2032,7 @@
           <a:p>
             <a:fld id="{20EBB0C4-6273-4C6E-B9BD-2EDC30F1CD52}" type="datetimeFigureOut">
               <a:rPr lang="en-US" smtClean="0"/>
-              <a:t>10/4/2018</a:t>
+              <a:t>10/12/2018</a:t>
             </a:fld>
             <a:endParaRPr lang="en-US" dirty="0"/>
           </a:p>
@@ -2317,7 +2319,7 @@
           <a:p>
             <a:fld id="{7579E8B6-2F47-420B-83EA-EB2285D13EC9}" type="datetime1">
               <a:rPr lang="en-US" smtClean="0"/>
-              <a:t>10/4/2018</a:t>
+              <a:t>10/12/2018</a:t>
             </a:fld>
             <a:endParaRPr lang="en-US" dirty="0"/>
           </a:p>
@@ -2712,7 +2714,7 @@
           <a:p>
             <a:fld id="{2304803D-B10E-4B90-8456-A0E05393E233}" type="datetime1">
               <a:rPr lang="en-US" smtClean="0"/>
-              <a:t>10/4/2018</a:t>
+              <a:t>10/12/2018</a:t>
             </a:fld>
             <a:endParaRPr lang="en-US" dirty="0"/>
           </a:p>
@@ -2846,7 +2848,7 @@
           <a:p>
             <a:fld id="{CCE1E62F-6CCE-4064-96C2-2084AF883904}" type="datetime1">
               <a:rPr lang="en-US" smtClean="0"/>
-              <a:t>10/4/2018</a:t>
+              <a:t>10/12/2018</a:t>
             </a:fld>
             <a:endParaRPr lang="en-US" dirty="0"/>
           </a:p>
@@ -3033,7 +3035,7 @@
           <a:p>
             <a:fld id="{AA615CA6-EC4D-4728-8AA6-534BE7E9B67C}" type="datetime1">
               <a:rPr lang="en-US" smtClean="0"/>
-              <a:t>10/4/2018</a:t>
+              <a:t>10/12/2018</a:t>
             </a:fld>
             <a:endParaRPr lang="en-US" dirty="0"/>
           </a:p>
@@ -3403,7 +3405,7 @@
           <a:p>
             <a:fld id="{A6139942-0A2E-443A-842F-D6DE74360370}" type="datetime1">
               <a:rPr lang="en-US" smtClean="0"/>
-              <a:t>10/4/2018</a:t>
+              <a:t>10/12/2018</a:t>
             </a:fld>
             <a:endParaRPr lang="en-US" dirty="0"/>
           </a:p>
@@ -3796,7 +3798,7 @@
           <a:p>
             <a:fld id="{C9CAD897-D46E-4AD2-BD9B-49DD3E640873}" type="datetimeFigureOut">
               <a:rPr lang="en-US" smtClean="0"/>
-              <a:t>10/4/2018</a:t>
+              <a:t>10/12/2018</a:t>
             </a:fld>
             <a:endParaRPr lang="en-US" dirty="0"/>
           </a:p>
@@ -4147,7 +4149,7 @@
           <a:p>
             <a:fld id="{3F138946-C5C1-4A11-BA69-F12F43F8A94B}" type="datetime1">
               <a:rPr lang="en-US" smtClean="0"/>
-              <a:t>10/4/2018</a:t>
+              <a:t>10/12/2018</a:t>
             </a:fld>
             <a:endParaRPr lang="en-US" dirty="0"/>
           </a:p>
@@ -5512,6 +5514,314 @@
     <p:extLst>
       <p:ext uri="{BB962C8B-B14F-4D97-AF65-F5344CB8AC3E}">
         <p14:creationId xmlns:p14="http://schemas.microsoft.com/office/powerpoint/2010/main" val="1062521777"/>
+      </p:ext>
+    </p:extLst>
+  </p:cSld>
+  <p:clrMapOvr>
+    <a:masterClrMapping/>
+  </p:clrMapOvr>
+  <mc:AlternateContent xmlns:mc="http://schemas.openxmlformats.org/markup-compatibility/2006" xmlns:p14="http://schemas.microsoft.com/office/powerpoint/2010/main">
+    <mc:Choice Requires="p14">
+      <p:transition spd="med" p14:dur="700">
+        <p:fade/>
+      </p:transition>
+    </mc:Choice>
+    <mc:Fallback xmlns="">
+      <p:transition spd="med">
+        <p:fade/>
+      </p:transition>
+    </mc:Fallback>
+  </mc:AlternateContent>
+</p:sld>
+</file>
+
+<file path=ppt/slides/slide7.xml><?xml version="1.0" encoding="utf-8"?>
+<p:sld xmlns:a="http://schemas.openxmlformats.org/drawingml/2006/main" xmlns:r="http://schemas.openxmlformats.org/officeDocument/2006/relationships" xmlns:p="http://schemas.openxmlformats.org/presentationml/2006/main">
+  <p:cSld>
+    <p:spTree>
+      <p:nvGrpSpPr>
+        <p:cNvPr id="1" name=""/>
+        <p:cNvGrpSpPr/>
+        <p:nvPr/>
+      </p:nvGrpSpPr>
+      <p:grpSpPr>
+        <a:xfrm>
+          <a:off x="0" y="0"/>
+          <a:ext cx="0" cy="0"/>
+          <a:chOff x="0" y="0"/>
+          <a:chExt cx="0" cy="0"/>
+        </a:xfrm>
+      </p:grpSpPr>
+      <p:sp>
+        <p:nvSpPr>
+          <p:cNvPr id="2" name="Title 1">
+            <a:extLst>
+              <a:ext uri="{FF2B5EF4-FFF2-40B4-BE49-F238E27FC236}">
+                <a16:creationId xmlns:a16="http://schemas.microsoft.com/office/drawing/2014/main" id="{969A64C5-2964-4C8B-9D90-5E8500C1C874}"/>
+              </a:ext>
+            </a:extLst>
+          </p:cNvPr>
+          <p:cNvSpPr>
+            <a:spLocks noGrp="1"/>
+          </p:cNvSpPr>
+          <p:nvPr>
+            <p:ph type="title"/>
+          </p:nvPr>
+        </p:nvSpPr>
+        <p:spPr/>
+        <p:txBody>
+          <a:bodyPr/>
+          <a:lstStyle/>
+          <a:p>
+            <a:r>
+              <a:rPr lang="en-US" dirty="0"/>
+              <a:t>Lesson Plan 9</a:t>
+            </a:r>
+          </a:p>
+        </p:txBody>
+      </p:sp>
+      <p:sp>
+        <p:nvSpPr>
+          <p:cNvPr id="4" name="Footer Placeholder 3">
+            <a:extLst>
+              <a:ext uri="{FF2B5EF4-FFF2-40B4-BE49-F238E27FC236}">
+                <a16:creationId xmlns:a16="http://schemas.microsoft.com/office/drawing/2014/main" id="{260DB06B-385D-4A56-A1AF-75B30F5D9BE5}"/>
+              </a:ext>
+            </a:extLst>
+          </p:cNvPr>
+          <p:cNvSpPr>
+            <a:spLocks noGrp="1"/>
+          </p:cNvSpPr>
+          <p:nvPr>
+            <p:ph type="ftr" sz="quarter" idx="11"/>
+          </p:nvPr>
+        </p:nvSpPr>
+        <p:spPr/>
+        <p:txBody>
+          <a:bodyPr/>
+          <a:lstStyle/>
+          <a:p>
+            <a:r>
+              <a:rPr lang="en-US"/>
+              <a:t>Add a footer</a:t>
+            </a:r>
+            <a:endParaRPr lang="en-US" dirty="0"/>
+          </a:p>
+        </p:txBody>
+      </p:sp>
+    </p:spTree>
+    <p:extLst>
+      <p:ext uri="{BB962C8B-B14F-4D97-AF65-F5344CB8AC3E}">
+        <p14:creationId xmlns:p14="http://schemas.microsoft.com/office/powerpoint/2010/main" val="2693699801"/>
+      </p:ext>
+    </p:extLst>
+  </p:cSld>
+  <p:clrMapOvr>
+    <a:masterClrMapping/>
+  </p:clrMapOvr>
+  <mc:AlternateContent xmlns:mc="http://schemas.openxmlformats.org/markup-compatibility/2006" xmlns:p14="http://schemas.microsoft.com/office/powerpoint/2010/main">
+    <mc:Choice Requires="p14">
+      <p:transition spd="med" p14:dur="700">
+        <p:fade/>
+      </p:transition>
+    </mc:Choice>
+    <mc:Fallback xmlns="">
+      <p:transition spd="med">
+        <p:fade/>
+      </p:transition>
+    </mc:Fallback>
+  </mc:AlternateContent>
+</p:sld>
+</file>
+
+<file path=ppt/slides/slide8.xml><?xml version="1.0" encoding="utf-8"?>
+<p:sld xmlns:a="http://schemas.openxmlformats.org/drawingml/2006/main" xmlns:r="http://schemas.openxmlformats.org/officeDocument/2006/relationships" xmlns:p="http://schemas.openxmlformats.org/presentationml/2006/main">
+  <p:cSld>
+    <p:spTree>
+      <p:nvGrpSpPr>
+        <p:cNvPr id="1" name=""/>
+        <p:cNvGrpSpPr/>
+        <p:nvPr/>
+      </p:nvGrpSpPr>
+      <p:grpSpPr>
+        <a:xfrm>
+          <a:off x="0" y="0"/>
+          <a:ext cx="0" cy="0"/>
+          <a:chOff x="0" y="0"/>
+          <a:chExt cx="0" cy="0"/>
+        </a:xfrm>
+      </p:grpSpPr>
+      <p:sp>
+        <p:nvSpPr>
+          <p:cNvPr id="2" name="Title 1">
+            <a:extLst>
+              <a:ext uri="{FF2B5EF4-FFF2-40B4-BE49-F238E27FC236}">
+                <a16:creationId xmlns:a16="http://schemas.microsoft.com/office/drawing/2014/main" id="{95A7F6AA-88A2-4E33-8887-1BC3F0CE7C97}"/>
+              </a:ext>
+            </a:extLst>
+          </p:cNvPr>
+          <p:cNvSpPr>
+            <a:spLocks noGrp="1"/>
+          </p:cNvSpPr>
+          <p:nvPr>
+            <p:ph type="title"/>
+          </p:nvPr>
+        </p:nvSpPr>
+        <p:spPr/>
+        <p:txBody>
+          <a:bodyPr/>
+          <a:lstStyle/>
+          <a:p>
+            <a:r>
+              <a:rPr lang="en-US" dirty="0"/>
+              <a:t>What to know for today</a:t>
+            </a:r>
+          </a:p>
+        </p:txBody>
+      </p:sp>
+      <p:sp>
+        <p:nvSpPr>
+          <p:cNvPr id="3" name="Content Placeholder 2">
+            <a:extLst>
+              <a:ext uri="{FF2B5EF4-FFF2-40B4-BE49-F238E27FC236}">
+                <a16:creationId xmlns:a16="http://schemas.microsoft.com/office/drawing/2014/main" id="{77BE80B9-2934-4A5E-8D15-60A9FB56A6D5}"/>
+              </a:ext>
+            </a:extLst>
+          </p:cNvPr>
+          <p:cNvSpPr>
+            <a:spLocks noGrp="1"/>
+          </p:cNvSpPr>
+          <p:nvPr>
+            <p:ph idx="1"/>
+          </p:nvPr>
+        </p:nvSpPr>
+        <p:spPr/>
+        <p:txBody>
+          <a:bodyPr/>
+          <a:lstStyle/>
+          <a:p>
+            <a:pPr>
+              <a:buFont typeface="Wingdings" panose="05000000000000000000" pitchFamily="2" charset="2"/>
+              <a:buChar char="§"/>
+            </a:pPr>
+            <a:r>
+              <a:rPr lang="en-US" dirty="0"/>
+              <a:t> </a:t>
+            </a:r>
+            <a:r>
+              <a:rPr lang="en-US" b="1" dirty="0"/>
+              <a:t>COMPLETE</a:t>
+            </a:r>
+            <a:r>
+              <a:rPr lang="en-US" dirty="0"/>
+              <a:t> introductory circuit board</a:t>
+            </a:r>
+          </a:p>
+          <a:p>
+            <a:pPr lvl="1">
+              <a:buFont typeface="Wingdings" panose="05000000000000000000" pitchFamily="2" charset="2"/>
+              <a:buChar char="§"/>
+            </a:pPr>
+            <a:r>
+              <a:rPr lang="en-US" dirty="0"/>
+              <a:t>TEST with a 9V battery</a:t>
+            </a:r>
+          </a:p>
+          <a:p>
+            <a:pPr lvl="1">
+              <a:buFont typeface="Wingdings" panose="05000000000000000000" pitchFamily="2" charset="2"/>
+              <a:buChar char="§"/>
+            </a:pPr>
+            <a:endParaRPr lang="en-US" dirty="0"/>
+          </a:p>
+          <a:p>
+            <a:pPr>
+              <a:buFont typeface="Wingdings" panose="05000000000000000000" pitchFamily="2" charset="2"/>
+              <a:buChar char="§"/>
+            </a:pPr>
+            <a:r>
+              <a:rPr lang="en-US" dirty="0"/>
+              <a:t> </a:t>
+            </a:r>
+            <a:r>
+              <a:rPr lang="en-US" b="1" dirty="0"/>
+              <a:t>COMPLETE</a:t>
+            </a:r>
+            <a:r>
+              <a:rPr lang="en-US" dirty="0"/>
+              <a:t> Unit 2 Quiz is now available via Google Classroom</a:t>
+            </a:r>
+          </a:p>
+          <a:p>
+            <a:pPr lvl="1">
+              <a:buFont typeface="Wingdings" panose="05000000000000000000" pitchFamily="2" charset="2"/>
+              <a:buChar char="§"/>
+            </a:pPr>
+            <a:r>
+              <a:rPr lang="en-US" dirty="0"/>
+              <a:t>DUE Sunday at 11:59PM</a:t>
+            </a:r>
+          </a:p>
+          <a:p>
+            <a:pPr lvl="1">
+              <a:buFont typeface="Wingdings" panose="05000000000000000000" pitchFamily="2" charset="2"/>
+              <a:buChar char="§"/>
+            </a:pPr>
+            <a:endParaRPr lang="en-US" dirty="0"/>
+          </a:p>
+          <a:p>
+            <a:pPr>
+              <a:buFont typeface="Wingdings" panose="05000000000000000000" pitchFamily="2" charset="2"/>
+              <a:buChar char="§"/>
+            </a:pPr>
+            <a:r>
+              <a:rPr lang="en-US" dirty="0"/>
+              <a:t> </a:t>
+            </a:r>
+            <a:r>
+              <a:rPr lang="en-US" b="1" dirty="0"/>
+              <a:t>THINK</a:t>
+            </a:r>
+            <a:r>
+              <a:rPr lang="en-US" dirty="0"/>
+              <a:t> about a 80/20 rule project that you would be interested in completing this year</a:t>
+            </a:r>
+          </a:p>
+        </p:txBody>
+      </p:sp>
+      <p:sp>
+        <p:nvSpPr>
+          <p:cNvPr id="4" name="Footer Placeholder 3">
+            <a:extLst>
+              <a:ext uri="{FF2B5EF4-FFF2-40B4-BE49-F238E27FC236}">
+                <a16:creationId xmlns:a16="http://schemas.microsoft.com/office/drawing/2014/main" id="{92630AEF-E599-4FB3-80C8-349FEB265154}"/>
+              </a:ext>
+            </a:extLst>
+          </p:cNvPr>
+          <p:cNvSpPr>
+            <a:spLocks noGrp="1"/>
+          </p:cNvSpPr>
+          <p:nvPr>
+            <p:ph type="ftr" sz="quarter" idx="11"/>
+          </p:nvPr>
+        </p:nvSpPr>
+        <p:spPr/>
+        <p:txBody>
+          <a:bodyPr/>
+          <a:lstStyle/>
+          <a:p>
+            <a:r>
+              <a:rPr lang="en-US"/>
+              <a:t>Add a footer</a:t>
+            </a:r>
+            <a:endParaRPr lang="en-US" dirty="0"/>
+          </a:p>
+        </p:txBody>
+      </p:sp>
+    </p:spTree>
+    <p:extLst>
+      <p:ext uri="{BB962C8B-B14F-4D97-AF65-F5344CB8AC3E}">
+        <p14:creationId xmlns:p14="http://schemas.microsoft.com/office/powerpoint/2010/main" val="1689493539"/>
       </p:ext>
     </p:extLst>
   </p:cSld>
